--- a/Presentation/Blue and Purple Casual Corporate App Development Startup Pitch Deck Presentation.pptx
+++ b/Presentation/Blue and Purple Casual Corporate App Development Startup Pitch Deck Presentation.pptx
@@ -2525,7 +2525,7 @@
               </a:rPr>
               <a:t>Azhari	</a:t>
             </a:r>
-            <a:endParaRPr sz="3500">
+            <a:endParaRPr sz="3500" dirty="0">
               <a:latin typeface="Trebuchet MS"/>
               <a:cs typeface="Trebuchet MS"/>
             </a:endParaRPr>
@@ -2574,7 +2574,7 @@
               </a:rPr>
               <a:t>10</a:t>
             </a:r>
-            <a:endParaRPr sz="3000">
+            <a:endParaRPr sz="3000" dirty="0">
               <a:latin typeface="Trebuchet MS"/>
               <a:cs typeface="Trebuchet MS"/>
             </a:endParaRPr>
@@ -6567,7 +6567,7 @@
               </a:rPr>
               <a:t>API</a:t>
             </a:r>
-            <a:endParaRPr sz="3500">
+            <a:endParaRPr sz="3500" dirty="0">
               <a:latin typeface="Trebuchet MS"/>
               <a:cs typeface="Trebuchet MS"/>
             </a:endParaRPr>
@@ -6596,11 +6596,18 @@
               <a:t>Program </a:t>
             </a:r>
             <a:r>
+              <a:rPr lang="en-US" sz="2800" spc="10" dirty="0" err="1">
+                <a:latin typeface="Trebuchet MS"/>
+                <a:cs typeface="Trebuchet MS"/>
+              </a:rPr>
+              <a:t>Aplikasi</a:t>
+            </a:r>
+            <a:r>
               <a:rPr sz="2800" spc="10" dirty="0">
                 <a:latin typeface="Trebuchet MS"/>
                 <a:cs typeface="Trebuchet MS"/>
               </a:rPr>
-              <a:t>Aplikasi </a:t>
+              <a:t> </a:t>
             </a:r>
             <a:r>
               <a:rPr sz="2800" spc="-50" dirty="0">
@@ -6714,7 +6721,7 @@
               </a:rPr>
               <a:t>lain.</a:t>
             </a:r>
-            <a:endParaRPr sz="2800">
+            <a:endParaRPr sz="2800" dirty="0">
               <a:latin typeface="Trebuchet MS"/>
               <a:cs typeface="Trebuchet MS"/>
             </a:endParaRPr>
@@ -6837,7 +6844,7 @@
               </a:rPr>
               <a:t>terprogram.</a:t>
             </a:r>
-            <a:endParaRPr sz="2800">
+            <a:endParaRPr sz="2800" dirty="0">
               <a:latin typeface="Trebuchet MS"/>
               <a:cs typeface="Trebuchet MS"/>
             </a:endParaRPr>
@@ -6861,7 +6868,7 @@
               </a:rPr>
               <a:t>Rest</a:t>
             </a:r>
-            <a:endParaRPr sz="3500">
+            <a:endParaRPr sz="3500" dirty="0">
               <a:latin typeface="Trebuchet MS"/>
               <a:cs typeface="Trebuchet MS"/>
             </a:endParaRPr>
@@ -7092,7 +7099,7 @@
               </a:rPr>
               <a:t>internet.</a:t>
             </a:r>
-            <a:endParaRPr sz="3000">
+            <a:endParaRPr sz="3000" dirty="0">
               <a:latin typeface="Trebuchet MS"/>
               <a:cs typeface="Trebuchet MS"/>
             </a:endParaRPr>
@@ -7158,7 +7165,7 @@
               </a:rPr>
               <a:t>API</a:t>
             </a:r>
-            <a:endParaRPr sz="3500">
+            <a:endParaRPr sz="3500" dirty="0">
               <a:latin typeface="Trebuchet MS"/>
               <a:cs typeface="Trebuchet MS"/>
             </a:endParaRPr>
@@ -7466,7 +7473,7 @@
               </a:rPr>
               <a:t> tugas.</a:t>
             </a:r>
-            <a:endParaRPr sz="3000">
+            <a:endParaRPr sz="3000" dirty="0">
               <a:latin typeface="Trebuchet MS"/>
               <a:cs typeface="Trebuchet MS"/>
             </a:endParaRPr>
